--- a/diplom.pptx
+++ b/diplom.pptx
@@ -4711,15 +4711,42 @@
           </a:p>
         </p:txBody>
       </p:sp>
+      <p:sp>
+        <p:nvSpPr>
+          <p:cNvPr id="6" name="Замещающий номер слайда 5"/>
+          <p:cNvSpPr>
+            <a:spLocks noGrp="1"/>
+          </p:cNvSpPr>
+          <p:nvPr>
+            <p:ph type="sldNum" sz="quarter" idx="12"/>
+          </p:nvPr>
+        </p:nvSpPr>
+        <p:spPr/>
+        <p:txBody>
+          <a:bodyPr/>
+          <a:p>
+            <a:fld id="{5CA4F013-E0A2-4A1A-883F-2A77275DA5F8}" type="slidenum">
+              <a:rPr lang="ru-RU" sz="1400" smtClean="0">
+                <a:solidFill>
+                  <a:schemeClr val="tx1"/>
+                </a:solidFill>
+              </a:rPr>
+            </a:fld>
+            <a:endParaRPr lang="ru-RU" sz="1400" smtClean="0">
+              <a:solidFill>
+                <a:schemeClr val="tx1"/>
+              </a:solidFill>
+            </a:endParaRPr>
+          </a:p>
+        </p:txBody>
+      </p:sp>
       <p:pic>
         <p:nvPicPr>
-          <p:cNvPr id="4" name="Замещающее содержимое 3"/>
+          <p:cNvPr id="3" name="Изображение 2"/>
           <p:cNvPicPr>
             <a:picLocks noChangeAspect="1"/>
           </p:cNvPicPr>
-          <p:nvPr>
-            <p:ph idx="1"/>
-          </p:nvPr>
+          <p:nvPr/>
         </p:nvPicPr>
         <p:blipFill>
           <a:blip r:embed="rId1"/>
@@ -4729,8 +4756,8 @@
         </p:blipFill>
         <p:spPr>
           <a:xfrm>
-            <a:off x="426720" y="2185035"/>
-            <a:ext cx="3083560" cy="3328035"/>
+            <a:off x="838200" y="1547495"/>
+            <a:ext cx="3542665" cy="4630420"/>
           </a:xfrm>
           <a:prstGeom prst="rect">
             <a:avLst/>
@@ -4739,7 +4766,7 @@
       </p:pic>
       <p:pic>
         <p:nvPicPr>
-          <p:cNvPr id="5" name="Изображение 4"/>
+          <p:cNvPr id="9" name="Изображение 8"/>
           <p:cNvPicPr>
             <a:picLocks noChangeAspect="1"/>
           </p:cNvPicPr>
@@ -4753,43 +4780,14 @@
         </p:blipFill>
         <p:spPr>
           <a:xfrm>
-            <a:off x="5179060" y="1547495"/>
-            <a:ext cx="5426075" cy="5113655"/>
+            <a:off x="4763770" y="1584325"/>
+            <a:ext cx="5607685" cy="5026025"/>
           </a:xfrm>
           <a:prstGeom prst="rect">
             <a:avLst/>
           </a:prstGeom>
         </p:spPr>
       </p:pic>
-      <p:sp>
-        <p:nvSpPr>
-          <p:cNvPr id="6" name="Замещающий номер слайда 5"/>
-          <p:cNvSpPr>
-            <a:spLocks noGrp="1"/>
-          </p:cNvSpPr>
-          <p:nvPr>
-            <p:ph type="sldNum" sz="quarter" idx="12"/>
-          </p:nvPr>
-        </p:nvSpPr>
-        <p:spPr/>
-        <p:txBody>
-          <a:bodyPr/>
-          <a:p>
-            <a:fld id="{5CA4F013-E0A2-4A1A-883F-2A77275DA5F8}" type="slidenum">
-              <a:rPr lang="ru-RU" sz="1400" smtClean="0">
-                <a:solidFill>
-                  <a:schemeClr val="tx1"/>
-                </a:solidFill>
-              </a:rPr>
-            </a:fld>
-            <a:endParaRPr lang="ru-RU" sz="1400" smtClean="0">
-              <a:solidFill>
-                <a:schemeClr val="tx1"/>
-              </a:solidFill>
-            </a:endParaRPr>
-          </a:p>
-        </p:txBody>
-      </p:sp>
     </p:spTree>
   </p:cSld>
   <p:clrMapOvr>
@@ -7628,7 +7626,7 @@
       </p:sp>
       <p:pic>
         <p:nvPicPr>
-          <p:cNvPr id="7" name="Замещающее содержимое 6" descr="Снимок экрана от 2024-05-06 19-45-54"/>
+          <p:cNvPr id="4" name="Замещающее содержимое 3"/>
           <p:cNvPicPr>
             <a:picLocks noChangeAspect="1"/>
           </p:cNvPicPr>
@@ -7644,8 +7642,8 @@
         </p:blipFill>
         <p:spPr>
           <a:xfrm>
-            <a:off x="894080" y="1819910"/>
-            <a:ext cx="10404475" cy="4351655"/>
+            <a:off x="1162685" y="1691005"/>
+            <a:ext cx="9404350" cy="4351655"/>
           </a:xfrm>
           <a:prstGeom prst="rect">
             <a:avLst/>
@@ -7817,59 +7815,59 @@
           </a:p>
         </p:txBody>
       </p:sp>
+      <p:sp>
+        <p:nvSpPr>
+          <p:cNvPr id="4" name="Замещающий номер слайда 3"/>
+          <p:cNvSpPr>
+            <a:spLocks noGrp="1"/>
+          </p:cNvSpPr>
+          <p:nvPr>
+            <p:ph type="sldNum" sz="quarter" idx="12"/>
+          </p:nvPr>
+        </p:nvSpPr>
+        <p:spPr/>
+        <p:txBody>
+          <a:bodyPr/>
+          <a:p>
+            <a:fld id="{5CA4F013-E0A2-4A1A-883F-2A77275DA5F8}" type="slidenum">
+              <a:rPr lang="ru-RU" sz="1400" smtClean="0">
+                <a:solidFill>
+                  <a:schemeClr val="tx1"/>
+                </a:solidFill>
+              </a:rPr>
+            </a:fld>
+            <a:endParaRPr lang="ru-RU" sz="1400" smtClean="0">
+              <a:solidFill>
+                <a:schemeClr val="tx1"/>
+              </a:solidFill>
+            </a:endParaRPr>
+          </a:p>
+        </p:txBody>
+      </p:sp>
       <p:pic>
         <p:nvPicPr>
-          <p:cNvPr id="9" name="Рисунок 8" descr="Снимок экрана от 2024-02-08 11-35-20.png"/>
+          <p:cNvPr id="6" name="Изображение 5"/>
           <p:cNvPicPr>
             <a:picLocks noChangeAspect="1"/>
           </p:cNvPicPr>
           <p:nvPr/>
         </p:nvPicPr>
         <p:blipFill>
-          <a:blip r:embed="rId1" cstate="print"/>
+          <a:blip r:embed="rId1"/>
           <a:stretch>
             <a:fillRect/>
           </a:stretch>
         </p:blipFill>
         <p:spPr>
           <a:xfrm>
-            <a:off x="1718310" y="2545715"/>
-            <a:ext cx="8136890" cy="3258820"/>
+            <a:off x="956945" y="2273300"/>
+            <a:ext cx="9905365" cy="4448175"/>
           </a:xfrm>
           <a:prstGeom prst="rect">
             <a:avLst/>
           </a:prstGeom>
         </p:spPr>
       </p:pic>
-      <p:sp>
-        <p:nvSpPr>
-          <p:cNvPr id="4" name="Замещающий номер слайда 3"/>
-          <p:cNvSpPr>
-            <a:spLocks noGrp="1"/>
-          </p:cNvSpPr>
-          <p:nvPr>
-            <p:ph type="sldNum" sz="quarter" idx="12"/>
-          </p:nvPr>
-        </p:nvSpPr>
-        <p:spPr/>
-        <p:txBody>
-          <a:bodyPr/>
-          <a:p>
-            <a:fld id="{5CA4F013-E0A2-4A1A-883F-2A77275DA5F8}" type="slidenum">
-              <a:rPr lang="ru-RU" sz="1400" smtClean="0">
-                <a:solidFill>
-                  <a:schemeClr val="tx1"/>
-                </a:solidFill>
-              </a:rPr>
-            </a:fld>
-            <a:endParaRPr lang="ru-RU" sz="1400" smtClean="0">
-              <a:solidFill>
-                <a:schemeClr val="tx1"/>
-              </a:solidFill>
-            </a:endParaRPr>
-          </a:p>
-        </p:txBody>
-      </p:sp>
     </p:spTree>
   </p:cSld>
   <p:clrMapOvr>
@@ -8044,59 +8042,59 @@
           </a:p>
         </p:txBody>
       </p:sp>
+      <p:sp>
+        <p:nvSpPr>
+          <p:cNvPr id="4" name="Замещающий номер слайда 3"/>
+          <p:cNvSpPr>
+            <a:spLocks noGrp="1"/>
+          </p:cNvSpPr>
+          <p:nvPr>
+            <p:ph type="sldNum" sz="quarter" idx="12"/>
+          </p:nvPr>
+        </p:nvSpPr>
+        <p:spPr/>
+        <p:txBody>
+          <a:bodyPr/>
+          <a:p>
+            <a:fld id="{5CA4F013-E0A2-4A1A-883F-2A77275DA5F8}" type="slidenum">
+              <a:rPr lang="ru-RU" sz="1400" smtClean="0">
+                <a:solidFill>
+                  <a:schemeClr val="tx1"/>
+                </a:solidFill>
+              </a:rPr>
+            </a:fld>
+            <a:endParaRPr lang="ru-RU" sz="1400" smtClean="0">
+              <a:solidFill>
+                <a:schemeClr val="tx1"/>
+              </a:solidFill>
+            </a:endParaRPr>
+          </a:p>
+        </p:txBody>
+      </p:sp>
       <p:pic>
         <p:nvPicPr>
-          <p:cNvPr id="6" name="Рисунок 5" descr="Снимок экрана от 2024-02-08 11-26-14.png"/>
+          <p:cNvPr id="5" name="Изображение 4"/>
           <p:cNvPicPr>
             <a:picLocks noChangeAspect="1"/>
           </p:cNvPicPr>
           <p:nvPr/>
         </p:nvPicPr>
         <p:blipFill>
-          <a:blip r:embed="rId1" cstate="print"/>
+          <a:blip r:embed="rId1"/>
           <a:stretch>
             <a:fillRect/>
           </a:stretch>
         </p:blipFill>
         <p:spPr>
           <a:xfrm>
-            <a:off x="3000375" y="2972435"/>
-            <a:ext cx="4915535" cy="3729990"/>
+            <a:off x="3276600" y="2743835"/>
+            <a:ext cx="4818380" cy="3832225"/>
           </a:xfrm>
           <a:prstGeom prst="rect">
             <a:avLst/>
           </a:prstGeom>
         </p:spPr>
       </p:pic>
-      <p:sp>
-        <p:nvSpPr>
-          <p:cNvPr id="4" name="Замещающий номер слайда 3"/>
-          <p:cNvSpPr>
-            <a:spLocks noGrp="1"/>
-          </p:cNvSpPr>
-          <p:nvPr>
-            <p:ph type="sldNum" sz="quarter" idx="12"/>
-          </p:nvPr>
-        </p:nvSpPr>
-        <p:spPr/>
-        <p:txBody>
-          <a:bodyPr/>
-          <a:p>
-            <a:fld id="{5CA4F013-E0A2-4A1A-883F-2A77275DA5F8}" type="slidenum">
-              <a:rPr lang="ru-RU" sz="1400" smtClean="0">
-                <a:solidFill>
-                  <a:schemeClr val="tx1"/>
-                </a:solidFill>
-              </a:rPr>
-            </a:fld>
-            <a:endParaRPr lang="ru-RU" sz="1400" smtClean="0">
-              <a:solidFill>
-                <a:schemeClr val="tx1"/>
-              </a:solidFill>
-            </a:endParaRPr>
-          </a:p>
-        </p:txBody>
-      </p:sp>
     </p:spTree>
   </p:cSld>
   <p:clrMapOvr>
